--- a/WBS_projet.pptx
+++ b/WBS_projet.pptx
@@ -7286,7 +7286,7 @@
         <a:p>
           <a:r>
             <a:rPr lang="fr-FR" dirty="0"/>
-            <a:t>Exécution</a:t>
+            <a:t>Affecter les ressources</a:t>
           </a:r>
         </a:p>
       </dgm:t>
@@ -11410,8 +11410,13 @@
         <a:p>
           <a:r>
             <a:rPr lang="fr-FR" dirty="0"/>
-            <a:t>Exécution</a:t>
+            <a:t>Affecter </a:t>
           </a:r>
+          <a:r>
+            <a:rPr lang="fr-FR"/>
+            <a:t>les ressources</a:t>
+          </a:r>
+          <a:endParaRPr lang="fr-FR" dirty="0"/>
         </a:p>
       </dgm:t>
     </dgm:pt>
@@ -22202,7 +22207,7 @@
           </a:pPr>
           <a:r>
             <a:rPr lang="fr-FR" sz="500" kern="1200" dirty="0"/>
-            <a:t>Exécution</a:t>
+            <a:t>Affecter les ressources</a:t>
           </a:r>
         </a:p>
       </dsp:txBody>
@@ -28447,8 +28452,13 @@
           </a:pPr>
           <a:r>
             <a:rPr lang="fr-FR" sz="500" kern="1200" dirty="0"/>
-            <a:t>Exécution</a:t>
+            <a:t>Affecter </a:t>
           </a:r>
+          <a:r>
+            <a:rPr lang="fr-FR" sz="500" kern="1200"/>
+            <a:t>les ressources</a:t>
+          </a:r>
+          <a:endParaRPr lang="fr-FR" sz="500" kern="1200" dirty="0"/>
         </a:p>
       </dsp:txBody>
       <dsp:txXfrm>
@@ -43545,7 +43555,7 @@
             <p:ph idx="1"/>
             <p:extLst>
               <p:ext uri="{D42A27DB-BD31-4B8C-83A1-F6EECF244321}">
-                <p14:modId xmlns:p14="http://schemas.microsoft.com/office/powerpoint/2010/main" val="4224815309"/>
+                <p14:modId xmlns:p14="http://schemas.microsoft.com/office/powerpoint/2010/main" val="1376504832"/>
               </p:ext>
             </p:extLst>
           </p:nvPr>
@@ -43639,7 +43649,7 @@
             <p:ph idx="1"/>
             <p:extLst>
               <p:ext uri="{D42A27DB-BD31-4B8C-83A1-F6EECF244321}">
-                <p14:modId xmlns:p14="http://schemas.microsoft.com/office/powerpoint/2010/main" val="2950407728"/>
+                <p14:modId xmlns:p14="http://schemas.microsoft.com/office/powerpoint/2010/main" val="475090404"/>
               </p:ext>
             </p:extLst>
           </p:nvPr>
